--- a/2022년 7월 9일 메타버스.pptx
+++ b/2022년 7월 9일 메타버스.pptx
@@ -265,7 +265,7 @@
             <a:fld id="{93ABF2C0-3C9C-7D49-B24A-64CA7C2343A0}" type="datetimeFigureOut">
               <a:rPr kumimoji="1" lang="x-none" altLang="en-US" smtClean="0"/>
               <a:pPr/>
-              <a:t>2022-07-08</a:t>
+              <a:t>2022-07-09</a:t>
             </a:fld>
             <a:endParaRPr kumimoji="1" lang="x-none" altLang="en-US"/>
           </a:p>
@@ -698,7 +698,7 @@
             <a:fld id="{FE20AB6E-091C-844F-ABF9-3EF4C2336578}" type="datetimeFigureOut">
               <a:rPr kumimoji="1" lang="x-none" altLang="en-US" smtClean="0"/>
               <a:pPr/>
-              <a:t>2022-07-08</a:t>
+              <a:t>2022-07-09</a:t>
             </a:fld>
             <a:endParaRPr kumimoji="1" lang="x-none" altLang="en-US"/>
           </a:p>
@@ -940,7 +940,7 @@
             <a:fld id="{FE20AB6E-091C-844F-ABF9-3EF4C2336578}" type="datetimeFigureOut">
               <a:rPr kumimoji="1" lang="x-none" altLang="en-US" smtClean="0"/>
               <a:pPr/>
-              <a:t>2022-07-08</a:t>
+              <a:t>2022-07-09</a:t>
             </a:fld>
             <a:endParaRPr kumimoji="1" lang="x-none" altLang="en-US"/>
           </a:p>
@@ -1182,7 +1182,7 @@
             <a:fld id="{FE20AB6E-091C-844F-ABF9-3EF4C2336578}" type="datetimeFigureOut">
               <a:rPr kumimoji="1" lang="x-none" altLang="en-US" smtClean="0"/>
               <a:pPr/>
-              <a:t>2022-07-08</a:t>
+              <a:t>2022-07-09</a:t>
             </a:fld>
             <a:endParaRPr kumimoji="1" lang="x-none" altLang="en-US"/>
           </a:p>
@@ -1392,7 +1392,7 @@
             <a:fld id="{1D8BD707-D9CF-40AE-B4C6-C98DA3205C09}" type="datetimeFigureOut">
               <a:rPr lang="en-US"/>
               <a:pPr/>
-              <a:t>7/8/2022</a:t>
+              <a:t>7/9/2022</a:t>
             </a:fld>
             <a:endParaRPr lang="en-US"/>
           </a:p>
@@ -2139,7 +2139,7 @@
             <a:fld id="{FE20AB6E-091C-844F-ABF9-3EF4C2336578}" type="datetimeFigureOut">
               <a:rPr kumimoji="1" lang="x-none" altLang="en-US" smtClean="0"/>
               <a:pPr/>
-              <a:t>2022-07-08</a:t>
+              <a:t>2022-07-09</a:t>
             </a:fld>
             <a:endParaRPr kumimoji="1" lang="x-none" altLang="en-US"/>
           </a:p>
@@ -2447,7 +2447,7 @@
             <a:fld id="{FE20AB6E-091C-844F-ABF9-3EF4C2336578}" type="datetimeFigureOut">
               <a:rPr kumimoji="1" lang="x-none" altLang="en-US" smtClean="0"/>
               <a:pPr/>
-              <a:t>2022-07-08</a:t>
+              <a:t>2022-07-09</a:t>
             </a:fld>
             <a:endParaRPr kumimoji="1" lang="x-none" altLang="en-US"/>
           </a:p>
@@ -2903,7 +2903,7 @@
             <a:fld id="{FE20AB6E-091C-844F-ABF9-3EF4C2336578}" type="datetimeFigureOut">
               <a:rPr kumimoji="1" lang="x-none" altLang="en-US" smtClean="0"/>
               <a:pPr/>
-              <a:t>2022-07-08</a:t>
+              <a:t>2022-07-09</a:t>
             </a:fld>
             <a:endParaRPr kumimoji="1" lang="x-none" altLang="en-US"/>
           </a:p>
@@ -3079,7 +3079,7 @@
             <a:fld id="{FE20AB6E-091C-844F-ABF9-3EF4C2336578}" type="datetimeFigureOut">
               <a:rPr kumimoji="1" lang="x-none" altLang="en-US" smtClean="0"/>
               <a:pPr/>
-              <a:t>2022-07-08</a:t>
+              <a:t>2022-07-09</a:t>
             </a:fld>
             <a:endParaRPr kumimoji="1" lang="x-none" altLang="en-US"/>
           </a:p>
@@ -3218,7 +3218,7 @@
             <a:fld id="{FE20AB6E-091C-844F-ABF9-3EF4C2336578}" type="datetimeFigureOut">
               <a:rPr kumimoji="1" lang="x-none" altLang="en-US" smtClean="0"/>
               <a:pPr/>
-              <a:t>2022-07-08</a:t>
+              <a:t>2022-07-09</a:t>
             </a:fld>
             <a:endParaRPr kumimoji="1" lang="x-none" altLang="en-US"/>
           </a:p>
@@ -3566,7 +3566,7 @@
             <a:fld id="{FE20AB6E-091C-844F-ABF9-3EF4C2336578}" type="datetimeFigureOut">
               <a:rPr kumimoji="1" lang="x-none" altLang="en-US" smtClean="0"/>
               <a:pPr/>
-              <a:t>2022-07-08</a:t>
+              <a:t>2022-07-09</a:t>
             </a:fld>
             <a:endParaRPr kumimoji="1" lang="x-none" altLang="en-US"/>
           </a:p>
@@ -3890,7 +3890,7 @@
             <a:fld id="{FE20AB6E-091C-844F-ABF9-3EF4C2336578}" type="datetimeFigureOut">
               <a:rPr kumimoji="1" lang="x-none" altLang="en-US" smtClean="0"/>
               <a:pPr/>
-              <a:t>2022-07-08</a:t>
+              <a:t>2022-07-09</a:t>
             </a:fld>
             <a:endParaRPr kumimoji="1" lang="x-none" altLang="en-US"/>
           </a:p>
@@ -5825,17 +5825,7 @@
                 <a:latin typeface="Noto Sans CJK KR Regular" panose="020B0500000000000000" pitchFamily="34" charset="-128"/>
                 <a:ea typeface="Noto Sans CJK KR Regular" panose="020B0500000000000000" pitchFamily="34" charset="-128"/>
               </a:rPr>
-              <a:t>설비현황 데이터 오류 </a:t>
-            </a:r>
-            <a:r>
-              <a:rPr kumimoji="1" lang="ko-KR" altLang="en-US" sz="1600" b="1" dirty="0" smtClean="0">
-                <a:solidFill>
-                  <a:srgbClr val="009D4F"/>
-                </a:solidFill>
-                <a:latin typeface="Noto Sans CJK KR Regular" panose="020B0500000000000000" pitchFamily="34" charset="-128"/>
-                <a:ea typeface="Noto Sans CJK KR Regular" panose="020B0500000000000000" pitchFamily="34" charset="-128"/>
-              </a:rPr>
-              <a:t>해결</a:t>
+              <a:t>설비현황 데이터 오류 해결</a:t>
             </a:r>
             <a:endParaRPr kumimoji="1" lang="en-US" altLang="ko-KR" sz="1600" b="1" dirty="0" smtClean="0">
               <a:solidFill>
@@ -6014,7 +6004,7 @@
         <p:spPr>
           <a:xfrm>
             <a:off x="479425" y="2779432"/>
-            <a:ext cx="3441968" cy="461665"/>
+            <a:ext cx="7920758" cy="1302921"/>
           </a:xfrm>
           <a:prstGeom prst="rect">
             <a:avLst/>
@@ -6078,7 +6068,160 @@
               </a:rPr>
               <a:t>논문 탐색 및 방향 선정</a:t>
             </a:r>
-            <a:endParaRPr kumimoji="1" lang="en-US" altLang="ko-KR" sz="1600" b="1" dirty="0">
+            <a:endParaRPr kumimoji="1" lang="en-US" altLang="ko-KR" sz="1600" b="1" dirty="0" smtClean="0">
+              <a:solidFill>
+                <a:srgbClr val="009D4F"/>
+              </a:solidFill>
+              <a:latin typeface="Noto Sans CJK KR Regular" panose="020B0500000000000000" pitchFamily="34" charset="-128"/>
+              <a:ea typeface="Noto Sans CJK KR Regular" panose="020B0500000000000000" pitchFamily="34" charset="-128"/>
+            </a:endParaRPr>
+          </a:p>
+          <a:p>
+            <a:pPr>
+              <a:lnSpc>
+                <a:spcPct val="150000"/>
+              </a:lnSpc>
+              <a:spcBef>
+                <a:spcPts val="160"/>
+              </a:spcBef>
+              <a:spcAft>
+                <a:spcPts val="160"/>
+              </a:spcAft>
+            </a:pPr>
+            <a:r>
+              <a:rPr kumimoji="1" lang="en-US" altLang="ko-KR" sz="1600" b="1" dirty="0" smtClean="0">
+                <a:solidFill>
+                  <a:srgbClr val="009D4F"/>
+                </a:solidFill>
+                <a:latin typeface="Noto Sans CJK KR Regular" panose="020B0500000000000000" pitchFamily="34" charset="-128"/>
+                <a:ea typeface="Noto Sans CJK KR Regular" panose="020B0500000000000000" pitchFamily="34" charset="-128"/>
+              </a:rPr>
+              <a:t>  - </a:t>
+            </a:r>
+            <a:r>
+              <a:rPr kumimoji="1" lang="en-US" altLang="ko-KR" sz="1600" b="1" dirty="0" err="1" smtClean="0">
+                <a:solidFill>
+                  <a:srgbClr val="009D4F"/>
+                </a:solidFill>
+                <a:latin typeface="Noto Sans CJK KR Regular" panose="020B0500000000000000" pitchFamily="34" charset="-128"/>
+                <a:ea typeface="Noto Sans CJK KR Regular" panose="020B0500000000000000" pitchFamily="34" charset="-128"/>
+              </a:rPr>
+              <a:t>Metaverse</a:t>
+            </a:r>
+            <a:r>
+              <a:rPr kumimoji="1" lang="en-US" altLang="ko-KR" sz="1600" b="1" dirty="0" smtClean="0">
+                <a:solidFill>
+                  <a:srgbClr val="009D4F"/>
+                </a:solidFill>
+                <a:latin typeface="Noto Sans CJK KR Regular" panose="020B0500000000000000" pitchFamily="34" charset="-128"/>
+                <a:ea typeface="Noto Sans CJK KR Regular" panose="020B0500000000000000" pitchFamily="34" charset="-128"/>
+              </a:rPr>
+              <a:t> </a:t>
+            </a:r>
+            <a:r>
+              <a:rPr kumimoji="1" lang="ko-KR" altLang="en-US" sz="1600" b="1" dirty="0" smtClean="0">
+                <a:solidFill>
+                  <a:srgbClr val="009D4F"/>
+                </a:solidFill>
+                <a:latin typeface="Noto Sans CJK KR Regular" panose="020B0500000000000000" pitchFamily="34" charset="-128"/>
+                <a:ea typeface="Noto Sans CJK KR Regular" panose="020B0500000000000000" pitchFamily="34" charset="-128"/>
+              </a:rPr>
+              <a:t>관련 논문이 잘 정리되어 있는 저널</a:t>
+            </a:r>
+            <a:r>
+              <a:rPr kumimoji="1" lang="en-US" altLang="ko-KR" sz="1600" b="1" dirty="0" smtClean="0">
+                <a:solidFill>
+                  <a:srgbClr val="009D4F"/>
+                </a:solidFill>
+                <a:latin typeface="Noto Sans CJK KR Regular" panose="020B0500000000000000" pitchFamily="34" charset="-128"/>
+                <a:ea typeface="Noto Sans CJK KR Regular" panose="020B0500000000000000" pitchFamily="34" charset="-128"/>
+              </a:rPr>
+              <a:t>? – </a:t>
+            </a:r>
+            <a:r>
+              <a:rPr kumimoji="1" lang="ko-KR" altLang="en-US" sz="1600" b="1" dirty="0" smtClean="0">
+                <a:solidFill>
+                  <a:srgbClr val="009D4F"/>
+                </a:solidFill>
+                <a:latin typeface="Noto Sans CJK KR Regular" panose="020B0500000000000000" pitchFamily="34" charset="-128"/>
+                <a:ea typeface="Noto Sans CJK KR Regular" panose="020B0500000000000000" pitchFamily="34" charset="-128"/>
+              </a:rPr>
+              <a:t>아직은 아니다</a:t>
+            </a:r>
+            <a:r>
+              <a:rPr kumimoji="1" lang="en-US" altLang="ko-KR" sz="1600" b="1" dirty="0" smtClean="0">
+                <a:solidFill>
+                  <a:srgbClr val="009D4F"/>
+                </a:solidFill>
+                <a:latin typeface="Noto Sans CJK KR Regular" panose="020B0500000000000000" pitchFamily="34" charset="-128"/>
+                <a:ea typeface="Noto Sans CJK KR Regular" panose="020B0500000000000000" pitchFamily="34" charset="-128"/>
+              </a:rPr>
+              <a:t>.</a:t>
+            </a:r>
+          </a:p>
+          <a:p>
+            <a:pPr>
+              <a:lnSpc>
+                <a:spcPct val="150000"/>
+              </a:lnSpc>
+              <a:spcBef>
+                <a:spcPts val="160"/>
+              </a:spcBef>
+              <a:spcAft>
+                <a:spcPts val="160"/>
+              </a:spcAft>
+            </a:pPr>
+            <a:r>
+              <a:rPr kumimoji="1" lang="en-US" altLang="ko-KR" sz="1600" b="1" dirty="0" smtClean="0">
+                <a:solidFill>
+                  <a:srgbClr val="009D4F"/>
+                </a:solidFill>
+                <a:latin typeface="Noto Sans CJK KR Regular" panose="020B0500000000000000" pitchFamily="34" charset="-128"/>
+                <a:ea typeface="Noto Sans CJK KR Regular" panose="020B0500000000000000" pitchFamily="34" charset="-128"/>
+              </a:rPr>
+              <a:t>  - </a:t>
+            </a:r>
+            <a:r>
+              <a:rPr kumimoji="1" lang="en-US" altLang="ko-KR" sz="1600" b="1" dirty="0" err="1" smtClean="0">
+                <a:solidFill>
+                  <a:srgbClr val="009D4F"/>
+                </a:solidFill>
+                <a:latin typeface="Noto Sans CJK KR Regular" panose="020B0500000000000000" pitchFamily="34" charset="-128"/>
+                <a:ea typeface="Noto Sans CJK KR Regular" panose="020B0500000000000000" pitchFamily="34" charset="-128"/>
+              </a:rPr>
+              <a:t>Metaverse</a:t>
+            </a:r>
+            <a:r>
+              <a:rPr kumimoji="1" lang="en-US" altLang="ko-KR" sz="1600" b="1" dirty="0" smtClean="0">
+                <a:solidFill>
+                  <a:srgbClr val="009D4F"/>
+                </a:solidFill>
+                <a:latin typeface="Noto Sans CJK KR Regular" panose="020B0500000000000000" pitchFamily="34" charset="-128"/>
+                <a:ea typeface="Noto Sans CJK KR Regular" panose="020B0500000000000000" pitchFamily="34" charset="-128"/>
+              </a:rPr>
+              <a:t> </a:t>
+            </a:r>
+            <a:r>
+              <a:rPr kumimoji="1" lang="ko-KR" altLang="en-US" sz="1600" b="1" dirty="0" smtClean="0">
+                <a:solidFill>
+                  <a:srgbClr val="009D4F"/>
+                </a:solidFill>
+                <a:latin typeface="Noto Sans CJK KR Regular" panose="020B0500000000000000" pitchFamily="34" charset="-128"/>
+                <a:ea typeface="Noto Sans CJK KR Regular" panose="020B0500000000000000" pitchFamily="34" charset="-128"/>
+              </a:rPr>
+              <a:t>관련 논문이 개발 및 구현 후 유용성 및 시장분석 가치 관련 논문이 많다</a:t>
+            </a:r>
+            <a:r>
+              <a:rPr kumimoji="1" lang="en-US" altLang="ko-KR" sz="1600" b="1" dirty="0" smtClean="0">
+                <a:solidFill>
+                  <a:srgbClr val="009D4F"/>
+                </a:solidFill>
+                <a:latin typeface="Noto Sans CJK KR Regular" panose="020B0500000000000000" pitchFamily="34" charset="-128"/>
+                <a:ea typeface="Noto Sans CJK KR Regular" panose="020B0500000000000000" pitchFamily="34" charset="-128"/>
+              </a:rPr>
+              <a:t>.</a:t>
+            </a:r>
+            <a:endParaRPr kumimoji="1" lang="en-US" altLang="ko-KR" sz="1600" b="1" dirty="0" smtClean="0">
               <a:solidFill>
                 <a:srgbClr val="009D4F"/>
               </a:solidFill>
@@ -6476,20 +6619,7 @@
                 <a:latin typeface="210 옴니고딕 030" panose="02020603020101020101" pitchFamily="18" charset="-127"/>
                 <a:ea typeface="210 옴니고딕 030" panose="02020603020101020101" pitchFamily="18" charset="-127"/>
               </a:rPr>
-              <a:t>향후계</a:t>
-            </a:r>
-            <a:r>
-              <a:rPr kumimoji="1" lang="ko-KR" altLang="en-US" sz="2400" dirty="0" err="1" smtClean="0">
-                <a:solidFill>
-                  <a:schemeClr val="tx1">
-                    <a:lumMod val="85000"/>
-                    <a:lumOff val="15000"/>
-                  </a:schemeClr>
-                </a:solidFill>
-                <a:latin typeface="210 옴니고딕 030" panose="02020603020101020101" pitchFamily="18" charset="-127"/>
-                <a:ea typeface="210 옴니고딕 030" panose="02020603020101020101" pitchFamily="18" charset="-127"/>
-              </a:rPr>
-              <a:t>획</a:t>
+              <a:t>향후계획</a:t>
             </a:r>
             <a:endParaRPr kumimoji="1" lang="en-US" altLang="ko-KR" sz="2400" dirty="0" smtClean="0">
               <a:solidFill>
